--- a/OOP.pptx
+++ b/OOP.pptx
@@ -7,9 +7,11 @@
   <p:sldIdLst>
     <p:sldId id="256" r:id="rId2"/>
     <p:sldId id="257" r:id="rId3"/>
-    <p:sldId id="258" r:id="rId4"/>
-    <p:sldId id="259" r:id="rId5"/>
-    <p:sldId id="260" r:id="rId6"/>
+    <p:sldId id="262" r:id="rId4"/>
+    <p:sldId id="258" r:id="rId5"/>
+    <p:sldId id="259" r:id="rId6"/>
+    <p:sldId id="260" r:id="rId7"/>
+    <p:sldId id="261" r:id="rId8"/>
   </p:sldIdLst>
   <p:sldSz cx="12192000" cy="6858000"/>
   <p:notesSz cx="6858000" cy="9144000"/>
@@ -108,6 +110,11 @@
       </a:defRPr>
     </a:lvl9pPr>
   </p:defaultTextStyle>
+  <p:extLst>
+    <p:ext uri="{EFAFB233-063F-42B5-8137-9DF3F51BA10A}">
+      <p15:sldGuideLst xmlns:p15="http://schemas.microsoft.com/office/powerpoint/2012/main"/>
+    </p:ext>
+  </p:extLst>
 </p:presentation>
 </file>
 
@@ -426,7 +433,7 @@
           <a:p>
             <a:fld id="{CCC088DA-52B8-4924-A125-FF7D852308D7}" type="datetimeFigureOut">
               <a:rPr lang="lv-LV" smtClean="0"/>
-              <a:t>31.01.2024</a:t>
+              <a:t>02.02.2024</a:t>
             </a:fld>
             <a:endParaRPr lang="lv-LV"/>
           </a:p>
@@ -624,7 +631,7 @@
           <a:p>
             <a:fld id="{CCC088DA-52B8-4924-A125-FF7D852308D7}" type="datetimeFigureOut">
               <a:rPr lang="lv-LV" smtClean="0"/>
-              <a:t>31.01.2024</a:t>
+              <a:t>02.02.2024</a:t>
             </a:fld>
             <a:endParaRPr lang="lv-LV"/>
           </a:p>
@@ -832,7 +839,7 @@
           <a:p>
             <a:fld id="{CCC088DA-52B8-4924-A125-FF7D852308D7}" type="datetimeFigureOut">
               <a:rPr lang="lv-LV" smtClean="0"/>
-              <a:t>31.01.2024</a:t>
+              <a:t>02.02.2024</a:t>
             </a:fld>
             <a:endParaRPr lang="lv-LV"/>
           </a:p>
@@ -1030,7 +1037,7 @@
           <a:p>
             <a:fld id="{CCC088DA-52B8-4924-A125-FF7D852308D7}" type="datetimeFigureOut">
               <a:rPr lang="lv-LV" smtClean="0"/>
-              <a:t>31.01.2024</a:t>
+              <a:t>02.02.2024</a:t>
             </a:fld>
             <a:endParaRPr lang="lv-LV"/>
           </a:p>
@@ -1305,7 +1312,7 @@
           <a:p>
             <a:fld id="{CCC088DA-52B8-4924-A125-FF7D852308D7}" type="datetimeFigureOut">
               <a:rPr lang="lv-LV" smtClean="0"/>
-              <a:t>31.01.2024</a:t>
+              <a:t>02.02.2024</a:t>
             </a:fld>
             <a:endParaRPr lang="lv-LV"/>
           </a:p>
@@ -1570,7 +1577,7 @@
           <a:p>
             <a:fld id="{CCC088DA-52B8-4924-A125-FF7D852308D7}" type="datetimeFigureOut">
               <a:rPr lang="lv-LV" smtClean="0"/>
-              <a:t>31.01.2024</a:t>
+              <a:t>02.02.2024</a:t>
             </a:fld>
             <a:endParaRPr lang="lv-LV"/>
           </a:p>
@@ -1982,7 +1989,7 @@
           <a:p>
             <a:fld id="{CCC088DA-52B8-4924-A125-FF7D852308D7}" type="datetimeFigureOut">
               <a:rPr lang="lv-LV" smtClean="0"/>
-              <a:t>31.01.2024</a:t>
+              <a:t>02.02.2024</a:t>
             </a:fld>
             <a:endParaRPr lang="lv-LV"/>
           </a:p>
@@ -2123,7 +2130,7 @@
           <a:p>
             <a:fld id="{CCC088DA-52B8-4924-A125-FF7D852308D7}" type="datetimeFigureOut">
               <a:rPr lang="lv-LV" smtClean="0"/>
-              <a:t>31.01.2024</a:t>
+              <a:t>02.02.2024</a:t>
             </a:fld>
             <a:endParaRPr lang="lv-LV"/>
           </a:p>
@@ -2236,7 +2243,7 @@
           <a:p>
             <a:fld id="{CCC088DA-52B8-4924-A125-FF7D852308D7}" type="datetimeFigureOut">
               <a:rPr lang="lv-LV" smtClean="0"/>
-              <a:t>31.01.2024</a:t>
+              <a:t>02.02.2024</a:t>
             </a:fld>
             <a:endParaRPr lang="lv-LV"/>
           </a:p>
@@ -2547,7 +2554,7 @@
           <a:p>
             <a:fld id="{CCC088DA-52B8-4924-A125-FF7D852308D7}" type="datetimeFigureOut">
               <a:rPr lang="lv-LV" smtClean="0"/>
-              <a:t>31.01.2024</a:t>
+              <a:t>02.02.2024</a:t>
             </a:fld>
             <a:endParaRPr lang="lv-LV"/>
           </a:p>
@@ -2835,7 +2842,7 @@
           <a:p>
             <a:fld id="{CCC088DA-52B8-4924-A125-FF7D852308D7}" type="datetimeFigureOut">
               <a:rPr lang="lv-LV" smtClean="0"/>
-              <a:t>31.01.2024</a:t>
+              <a:t>02.02.2024</a:t>
             </a:fld>
             <a:endParaRPr lang="lv-LV"/>
           </a:p>
@@ -3076,7 +3083,7 @@
           <a:p>
             <a:fld id="{CCC088DA-52B8-4924-A125-FF7D852308D7}" type="datetimeFigureOut">
               <a:rPr lang="lv-LV" smtClean="0"/>
-              <a:t>31.01.2024</a:t>
+              <a:t>02.02.2024</a:t>
             </a:fld>
             <a:endParaRPr lang="lv-LV"/>
           </a:p>
@@ -3629,7 +3636,25 @@
           <a:bodyPr/>
           <a:lstStyle/>
           <a:p>
-            <a:endParaRPr lang="lv-LV"/>
+            <a:r>
+              <a:rPr lang="lv-LV" dirty="0"/>
+              <a:t>Izvada vidējo atzīmi, punktus un procentus no tabulas</a:t>
+            </a:r>
+          </a:p>
+          <a:p>
+            <a:r>
+              <a:rPr lang="lv-LV" dirty="0"/>
+              <a:t> Uzzīmē stabiņu diagrammu no tabulas datiem</a:t>
+            </a:r>
+          </a:p>
+          <a:p>
+            <a:r>
+              <a:rPr lang="lv-LV" dirty="0"/>
+              <a:t>Izvada lodziņu kurā var paprasīt izvadīt aprēķinātos datus</a:t>
+            </a:r>
+          </a:p>
+          <a:p>
+            <a:endParaRPr lang="lv-LV" dirty="0"/>
           </a:p>
         </p:txBody>
       </p:sp>
@@ -3668,6 +3693,89 @@
           <p:cNvPr id="2" name="Virsraksts 1">
             <a:extLst>
               <a:ext uri="{FF2B5EF4-FFF2-40B4-BE49-F238E27FC236}">
+                <a16:creationId xmlns:a16="http://schemas.microsoft.com/office/drawing/2014/main" id="{98A6AC23-0389-E313-7905-9BF747421CA9}"/>
+              </a:ext>
+            </a:extLst>
+          </p:cNvPr>
+          <p:cNvSpPr>
+            <a:spLocks noGrp="1"/>
+          </p:cNvSpPr>
+          <p:nvPr>
+            <p:ph type="title"/>
+          </p:nvPr>
+        </p:nvSpPr>
+        <p:spPr/>
+        <p:txBody>
+          <a:bodyPr/>
+          <a:lstStyle/>
+          <a:p>
+            <a:r>
+              <a:rPr lang="lv-LV" dirty="0"/>
+              <a:t>Plānojums</a:t>
+            </a:r>
+          </a:p>
+        </p:txBody>
+      </p:sp>
+      <p:sp>
+        <p:nvSpPr>
+          <p:cNvPr id="3" name="Satura vietturis 2">
+            <a:extLst>
+              <a:ext uri="{FF2B5EF4-FFF2-40B4-BE49-F238E27FC236}">
+                <a16:creationId xmlns:a16="http://schemas.microsoft.com/office/drawing/2014/main" id="{45EC74D8-EFA2-6FCA-123E-97011ECAA78C}"/>
+              </a:ext>
+            </a:extLst>
+          </p:cNvPr>
+          <p:cNvSpPr>
+            <a:spLocks noGrp="1"/>
+          </p:cNvSpPr>
+          <p:nvPr>
+            <p:ph idx="1"/>
+          </p:nvPr>
+        </p:nvSpPr>
+        <p:spPr/>
+        <p:txBody>
+          <a:bodyPr/>
+          <a:lstStyle/>
+          <a:p>
+            <a:endParaRPr lang="lv-LV"/>
+          </a:p>
+        </p:txBody>
+      </p:sp>
+    </p:spTree>
+    <p:extLst>
+      <p:ext uri="{BB962C8B-B14F-4D97-AF65-F5344CB8AC3E}">
+        <p14:creationId xmlns:p14="http://schemas.microsoft.com/office/powerpoint/2010/main" val="3896715239"/>
+      </p:ext>
+    </p:extLst>
+  </p:cSld>
+  <p:clrMapOvr>
+    <a:masterClrMapping/>
+  </p:clrMapOvr>
+</p:sld>
+</file>
+
+<file path=ppt/slides/slide4.xml><?xml version="1.0" encoding="utf-8"?>
+<p:sld xmlns:a="http://schemas.openxmlformats.org/drawingml/2006/main" xmlns:r="http://schemas.openxmlformats.org/officeDocument/2006/relationships" xmlns:p="http://schemas.openxmlformats.org/presentationml/2006/main">
+  <p:cSld>
+    <p:spTree>
+      <p:nvGrpSpPr>
+        <p:cNvPr id="1" name=""/>
+        <p:cNvGrpSpPr/>
+        <p:nvPr/>
+      </p:nvGrpSpPr>
+      <p:grpSpPr>
+        <a:xfrm>
+          <a:off x="0" y="0"/>
+          <a:ext cx="0" cy="0"/>
+          <a:chOff x="0" y="0"/>
+          <a:chExt cx="0" cy="0"/>
+        </a:xfrm>
+      </p:grpSpPr>
+      <p:sp>
+        <p:nvSpPr>
+          <p:cNvPr id="2" name="Virsraksts 1">
+            <a:extLst>
+              <a:ext uri="{FF2B5EF4-FFF2-40B4-BE49-F238E27FC236}">
                 <a16:creationId xmlns:a16="http://schemas.microsoft.com/office/drawing/2014/main" id="{E1C8DD63-1073-554A-3EE5-ED6C7B7217D1}"/>
               </a:ext>
             </a:extLst>
@@ -3753,8 +3861,8 @@
           </a:prstGeom>
         </p:spPr>
       </p:pic>
-      <mc:AlternateContent xmlns:mc="http://schemas.openxmlformats.org/markup-compatibility/2006">
-        <mc:Choice xmlns:p14="http://schemas.microsoft.com/office/powerpoint/2010/main" Requires="p14">
+      <mc:AlternateContent xmlns:mc="http://schemas.openxmlformats.org/markup-compatibility/2006" xmlns:p14="http://schemas.microsoft.com/office/powerpoint/2010/main">
+        <mc:Choice Requires="p14">
           <p:contentPart p14:bwMode="auto" r:id="rId3">
             <p14:nvContentPartPr>
               <p14:cNvPr id="6" name="Rokraksts 5">
@@ -3773,7 +3881,7 @@
             </p14:xfrm>
           </p:contentPart>
         </mc:Choice>
-        <mc:Fallback>
+        <mc:Fallback xmlns="">
           <p:pic>
             <p:nvPicPr>
               <p:cNvPr id="6" name="Rokraksts 5">
@@ -3804,8 +3912,8 @@
           </p:pic>
         </mc:Fallback>
       </mc:AlternateContent>
-      <mc:AlternateContent xmlns:mc="http://schemas.openxmlformats.org/markup-compatibility/2006">
-        <mc:Choice xmlns:p14="http://schemas.microsoft.com/office/powerpoint/2010/main" Requires="p14">
+      <mc:AlternateContent xmlns:mc="http://schemas.openxmlformats.org/markup-compatibility/2006" xmlns:p14="http://schemas.microsoft.com/office/powerpoint/2010/main">
+        <mc:Choice Requires="p14">
           <p:contentPart p14:bwMode="auto" r:id="rId5">
             <p14:nvContentPartPr>
               <p14:cNvPr id="8" name="Rokraksts 7">
@@ -3824,7 +3932,7 @@
             </p14:xfrm>
           </p:contentPart>
         </mc:Choice>
-        <mc:Fallback>
+        <mc:Fallback xmlns="">
           <p:pic>
             <p:nvPicPr>
               <p:cNvPr id="8" name="Rokraksts 7">
@@ -3855,8 +3963,8 @@
           </p:pic>
         </mc:Fallback>
       </mc:AlternateContent>
-      <mc:AlternateContent xmlns:mc="http://schemas.openxmlformats.org/markup-compatibility/2006">
-        <mc:Choice xmlns:p14="http://schemas.microsoft.com/office/powerpoint/2010/main" Requires="p14">
+      <mc:AlternateContent xmlns:mc="http://schemas.openxmlformats.org/markup-compatibility/2006" xmlns:p14="http://schemas.microsoft.com/office/powerpoint/2010/main">
+        <mc:Choice Requires="p14">
           <p:contentPart p14:bwMode="auto" r:id="rId7">
             <p14:nvContentPartPr>
               <p14:cNvPr id="9" name="Rokraksts 8">
@@ -3875,7 +3983,7 @@
             </p14:xfrm>
           </p:contentPart>
         </mc:Choice>
-        <mc:Fallback>
+        <mc:Fallback xmlns="">
           <p:pic>
             <p:nvPicPr>
               <p:cNvPr id="9" name="Rokraksts 8">
@@ -3906,8 +4014,8 @@
           </p:pic>
         </mc:Fallback>
       </mc:AlternateContent>
-      <mc:AlternateContent xmlns:mc="http://schemas.openxmlformats.org/markup-compatibility/2006">
-        <mc:Choice xmlns:p14="http://schemas.microsoft.com/office/powerpoint/2010/main" Requires="p14">
+      <mc:AlternateContent xmlns:mc="http://schemas.openxmlformats.org/markup-compatibility/2006" xmlns:p14="http://schemas.microsoft.com/office/powerpoint/2010/main">
+        <mc:Choice Requires="p14">
           <p:contentPart p14:bwMode="auto" r:id="rId9">
             <p14:nvContentPartPr>
               <p14:cNvPr id="10" name="Rokraksts 9">
@@ -3926,7 +4034,7 @@
             </p14:xfrm>
           </p:contentPart>
         </mc:Choice>
-        <mc:Fallback>
+        <mc:Fallback xmlns="">
           <p:pic>
             <p:nvPicPr>
               <p:cNvPr id="10" name="Rokraksts 9">
@@ -3957,8 +4065,8 @@
           </p:pic>
         </mc:Fallback>
       </mc:AlternateContent>
-      <mc:AlternateContent xmlns:mc="http://schemas.openxmlformats.org/markup-compatibility/2006">
-        <mc:Choice xmlns:p14="http://schemas.microsoft.com/office/powerpoint/2010/main" xmlns:aink="http://schemas.microsoft.com/office/drawing/2016/ink" Requires="p14 aink">
+      <mc:AlternateContent xmlns:mc="http://schemas.openxmlformats.org/markup-compatibility/2006" xmlns:p14="http://schemas.microsoft.com/office/powerpoint/2010/main" xmlns:aink="http://schemas.microsoft.com/office/drawing/2016/ink">
+        <mc:Choice Requires="p14 aink">
           <p:contentPart p14:bwMode="auto" r:id="rId11">
             <p14:nvContentPartPr>
               <p14:cNvPr id="11" name="Rokraksts 10">
@@ -3977,7 +4085,7 @@
             </p14:xfrm>
           </p:contentPart>
         </mc:Choice>
-        <mc:Fallback>
+        <mc:Fallback xmlns="">
           <p:pic>
             <p:nvPicPr>
               <p:cNvPr id="11" name="Rokraksts 10">
@@ -4008,8 +4116,8 @@
           </p:pic>
         </mc:Fallback>
       </mc:AlternateContent>
-      <mc:AlternateContent xmlns:mc="http://schemas.openxmlformats.org/markup-compatibility/2006">
-        <mc:Choice xmlns:p14="http://schemas.microsoft.com/office/powerpoint/2010/main" Requires="p14">
+      <mc:AlternateContent xmlns:mc="http://schemas.openxmlformats.org/markup-compatibility/2006" xmlns:p14="http://schemas.microsoft.com/office/powerpoint/2010/main">
+        <mc:Choice Requires="p14">
           <p:contentPart p14:bwMode="auto" r:id="rId13">
             <p14:nvContentPartPr>
               <p14:cNvPr id="12" name="Rokraksts 11">
@@ -4028,7 +4136,7 @@
             </p14:xfrm>
           </p:contentPart>
         </mc:Choice>
-        <mc:Fallback>
+        <mc:Fallback xmlns="">
           <p:pic>
             <p:nvPicPr>
               <p:cNvPr id="12" name="Rokraksts 11">
@@ -4072,7 +4180,7 @@
 </p:sld>
 </file>
 
-<file path=ppt/slides/slide4.xml><?xml version="1.0" encoding="utf-8"?>
+<file path=ppt/slides/slide5.xml><?xml version="1.0" encoding="utf-8"?>
 <p:sld xmlns:a="http://schemas.openxmlformats.org/drawingml/2006/main" xmlns:r="http://schemas.openxmlformats.org/officeDocument/2006/relationships" xmlns:p="http://schemas.openxmlformats.org/presentationml/2006/main">
   <p:cSld>
     <p:spTree>
@@ -4185,7 +4293,7 @@
 </p:sld>
 </file>
 
-<file path=ppt/slides/slide5.xml><?xml version="1.0" encoding="utf-8"?>
+<file path=ppt/slides/slide6.xml><?xml version="1.0" encoding="utf-8"?>
 <p:sld xmlns:a="http://schemas.openxmlformats.org/drawingml/2006/main" xmlns:r="http://schemas.openxmlformats.org/officeDocument/2006/relationships" xmlns:p="http://schemas.openxmlformats.org/presentationml/2006/main">
   <p:cSld>
     <p:spTree>
@@ -4304,6 +4412,126 @@
     <p:extLst>
       <p:ext uri="{BB962C8B-B14F-4D97-AF65-F5344CB8AC3E}">
         <p14:creationId xmlns:p14="http://schemas.microsoft.com/office/powerpoint/2010/main" val="2198706158"/>
+      </p:ext>
+    </p:extLst>
+  </p:cSld>
+  <p:clrMapOvr>
+    <a:masterClrMapping/>
+  </p:clrMapOvr>
+</p:sld>
+</file>
+
+<file path=ppt/slides/slide7.xml><?xml version="1.0" encoding="utf-8"?>
+<p:sld xmlns:a="http://schemas.openxmlformats.org/drawingml/2006/main" xmlns:r="http://schemas.openxmlformats.org/officeDocument/2006/relationships" xmlns:p="http://schemas.openxmlformats.org/presentationml/2006/main">
+  <p:cSld>
+    <p:spTree>
+      <p:nvGrpSpPr>
+        <p:cNvPr id="1" name=""/>
+        <p:cNvGrpSpPr/>
+        <p:nvPr/>
+      </p:nvGrpSpPr>
+      <p:grpSpPr>
+        <a:xfrm>
+          <a:off x="0" y="0"/>
+          <a:ext cx="0" cy="0"/>
+          <a:chOff x="0" y="0"/>
+          <a:chExt cx="0" cy="0"/>
+        </a:xfrm>
+      </p:grpSpPr>
+      <p:sp>
+        <p:nvSpPr>
+          <p:cNvPr id="2" name="Virsraksts 1">
+            <a:extLst>
+              <a:ext uri="{FF2B5EF4-FFF2-40B4-BE49-F238E27FC236}">
+                <a16:creationId xmlns:a16="http://schemas.microsoft.com/office/drawing/2014/main" id="{7FE7A5DC-3C99-D458-A167-7CE3430AEAE3}"/>
+              </a:ext>
+            </a:extLst>
+          </p:cNvPr>
+          <p:cNvSpPr>
+            <a:spLocks noGrp="1"/>
+          </p:cNvSpPr>
+          <p:nvPr>
+            <p:ph type="title"/>
+          </p:nvPr>
+        </p:nvSpPr>
+        <p:spPr/>
+        <p:txBody>
+          <a:bodyPr/>
+          <a:lstStyle/>
+          <a:p>
+            <a:r>
+              <a:rPr lang="lv-LV" dirty="0"/>
+              <a:t>Ko izmantoju?</a:t>
+            </a:r>
+          </a:p>
+        </p:txBody>
+      </p:sp>
+      <p:sp>
+        <p:nvSpPr>
+          <p:cNvPr id="3" name="Satura vietturis 2">
+            <a:extLst>
+              <a:ext uri="{FF2B5EF4-FFF2-40B4-BE49-F238E27FC236}">
+                <a16:creationId xmlns:a16="http://schemas.microsoft.com/office/drawing/2014/main" id="{1529165F-A8AA-261C-DEFD-4C7D777667B1}"/>
+              </a:ext>
+            </a:extLst>
+          </p:cNvPr>
+          <p:cNvSpPr>
+            <a:spLocks noGrp="1"/>
+          </p:cNvSpPr>
+          <p:nvPr>
+            <p:ph idx="1"/>
+          </p:nvPr>
+        </p:nvSpPr>
+        <p:spPr>
+          <a:xfrm>
+            <a:off x="838200" y="1825625"/>
+            <a:ext cx="10623698" cy="4351338"/>
+          </a:xfrm>
+        </p:spPr>
+        <p:txBody>
+          <a:bodyPr/>
+          <a:lstStyle/>
+          <a:p>
+            <a:r>
+              <a:rPr lang="lv-LV" dirty="0">
+                <a:hlinkClick r:id="rId2"/>
+              </a:rPr>
+              <a:t>https://www.w3schools.com/python/matplotlib_bars.asp</a:t>
+            </a:r>
+            <a:r>
+              <a:rPr lang="lv-LV" dirty="0"/>
+              <a:t> (w3schools)</a:t>
+            </a:r>
+          </a:p>
+          <a:p>
+            <a:r>
+              <a:rPr lang="lv-LV" dirty="0">
+                <a:hlinkClick r:id="rId3"/>
+              </a:rPr>
+              <a:t>https://chat.openai.com/</a:t>
+            </a:r>
+            <a:r>
+              <a:rPr lang="lv-LV" dirty="0"/>
+              <a:t> (</a:t>
+            </a:r>
+            <a:r>
+              <a:rPr lang="lv-LV" dirty="0" err="1"/>
+              <a:t>ChatGPT</a:t>
+            </a:r>
+            <a:r>
+              <a:rPr lang="lv-LV" dirty="0"/>
+              <a:t>)</a:t>
+            </a:r>
+          </a:p>
+          <a:p>
+            <a:endParaRPr lang="lv-LV" dirty="0"/>
+          </a:p>
+        </p:txBody>
+      </p:sp>
+    </p:spTree>
+    <p:extLst>
+      <p:ext uri="{BB962C8B-B14F-4D97-AF65-F5344CB8AC3E}">
+        <p14:creationId xmlns:p14="http://schemas.microsoft.com/office/powerpoint/2010/main" val="3934273829"/>
       </p:ext>
     </p:extLst>
   </p:cSld>

--- a/OOP.pptx
+++ b/OOP.pptx
@@ -3741,6 +3741,36 @@
           </a:p>
         </p:txBody>
       </p:sp>
+      <p:pic>
+        <p:nvPicPr>
+          <p:cNvPr id="5" name="Attēls 4">
+            <a:extLst>
+              <a:ext uri="{FF2B5EF4-FFF2-40B4-BE49-F238E27FC236}">
+                <a16:creationId xmlns:a16="http://schemas.microsoft.com/office/drawing/2014/main" id="{0B6E22C2-2FBD-A27A-60D9-EA82B43A4075}"/>
+              </a:ext>
+            </a:extLst>
+          </p:cNvPr>
+          <p:cNvPicPr>
+            <a:picLocks noChangeAspect="1"/>
+          </p:cNvPicPr>
+          <p:nvPr/>
+        </p:nvPicPr>
+        <p:blipFill>
+          <a:blip r:embed="rId2"/>
+          <a:stretch>
+            <a:fillRect/>
+          </a:stretch>
+        </p:blipFill>
+        <p:spPr>
+          <a:xfrm>
+            <a:off x="2886919" y="1265690"/>
+            <a:ext cx="6986286" cy="4911273"/>
+          </a:xfrm>
+          <a:prstGeom prst="rect">
+            <a:avLst/>
+          </a:prstGeom>
+        </p:spPr>
+      </p:pic>
     </p:spTree>
     <p:extLst>
       <p:ext uri="{BB962C8B-B14F-4D97-AF65-F5344CB8AC3E}">
